--- a/JavaOOP_Workshop_Presentation.pptx
+++ b/JavaOOP_Workshop_Presentation.pptx
@@ -44187,11 +44187,7 @@
           <a:p>
             <a:r>
               <a:rPr lang="en-US" sz="2800" dirty="0" smtClean="0"/>
-              <a:t>Create a public access </a:t>
-            </a:r>
-            <a:r>
-              <a:rPr lang="en-US" sz="2800" dirty="0" smtClean="0"/>
-              <a:t>class </a:t>
+              <a:t>Create a public access class </a:t>
             </a:r>
             <a:r>
               <a:rPr lang="en-US" sz="2800" dirty="0" err="1" smtClean="0"/>
@@ -44199,11 +44195,7 @@
             </a:r>
             <a:r>
               <a:rPr lang="en-US" sz="2800" dirty="0" smtClean="0"/>
-              <a:t>  </a:t>
-            </a:r>
-            <a:r>
-              <a:rPr lang="en-US" sz="2800" dirty="0" smtClean="0"/>
-              <a:t>with main method creating instance of </a:t>
+              <a:t>  with main method creating instance of </a:t>
             </a:r>
             <a:r>
               <a:rPr lang="en-US" sz="2800" dirty="0" err="1" smtClean="0"/>
@@ -45313,7 +45305,6 @@
               <a:rPr lang="en-US" sz="2800" dirty="0" smtClean="0"/>
               <a:t>Try override a static method and look for behavior when you want to access the specialized invocation at run time</a:t>
             </a:r>
-            <a:endParaRPr lang="en-US" sz="2800" dirty="0" smtClean="0"/>
           </a:p>
         </p:txBody>
       </p:sp>
@@ -46903,8 +46894,27 @@
                 <a:cs typeface="Helvetica" charset="0"/>
                 <a:sym typeface="Helvetica" charset="0"/>
               </a:rPr>
-              <a:t>http://www.eclipse.org/downloads/</a:t>
-            </a:r>
+              <a:t>http://</a:t>
+            </a:r>
+            <a:r>
+              <a:rPr lang="en-US" sz="2800" b="1" u="sng" dirty="0" smtClean="0">
+                <a:solidFill>
+                  <a:schemeClr val="bg1"/>
+                </a:solidFill>
+                <a:latin typeface="Helvetica" charset="0"/>
+                <a:cs typeface="Helvetica" charset="0"/>
+                <a:sym typeface="Helvetica" charset="0"/>
+              </a:rPr>
+              <a:t>www.eclipse.org/downloads</a:t>
+            </a:r>
+            <a:endParaRPr lang="en-US" sz="2800" b="1" u="sng" dirty="0" smtClean="0">
+              <a:solidFill>
+                <a:schemeClr val="bg1"/>
+              </a:solidFill>
+              <a:latin typeface="Helvetica" charset="0"/>
+              <a:cs typeface="Helvetica" charset="0"/>
+              <a:sym typeface="Helvetica" charset="0"/>
+            </a:endParaRPr>
           </a:p>
           <a:p>
             <a:pPr algn="l"/>
@@ -46986,8 +46996,27 @@
                 <a:cs typeface="Helvetica" charset="0"/>
                 <a:sym typeface="Helvetica" charset="0"/>
               </a:rPr>
-              <a:t>       https://netbeans.org/downloads/ </a:t>
-            </a:r>
+              <a:t>       https://</a:t>
+            </a:r>
+            <a:r>
+              <a:rPr lang="en-US" sz="2800" b="1" dirty="0" smtClean="0">
+                <a:solidFill>
+                  <a:schemeClr val="bg1"/>
+                </a:solidFill>
+                <a:latin typeface="Helvetica" charset="0"/>
+                <a:cs typeface="Helvetica" charset="0"/>
+                <a:sym typeface="Helvetica" charset="0"/>
+              </a:rPr>
+              <a:t>netbeans.org/downloads </a:t>
+            </a:r>
+            <a:endParaRPr lang="en-US" sz="2800" b="1" dirty="0" smtClean="0">
+              <a:solidFill>
+                <a:schemeClr val="bg1"/>
+              </a:solidFill>
+              <a:latin typeface="Helvetica" charset="0"/>
+              <a:cs typeface="Helvetica" charset="0"/>
+              <a:sym typeface="Helvetica" charset="0"/>
+            </a:endParaRPr>
           </a:p>
           <a:p>
             <a:pPr marL="742950" indent="-742950" algn="l"/>

--- a/JavaOOP_Workshop_Presentation.pptx
+++ b/JavaOOP_Workshop_Presentation.pptx
@@ -46470,7 +46470,7 @@
               <a:buAutoNum type="arabicPeriod"/>
             </a:pPr>
             <a:r>
-              <a:rPr lang="en-US" sz="3600" b="1" dirty="0" smtClean="0">
+              <a:rPr lang="en-US" sz="3600" b="1" smtClean="0">
                 <a:solidFill>
                   <a:schemeClr val="bg1"/>
                 </a:solidFill>
@@ -46478,8 +46478,16 @@
                 <a:cs typeface="Helvetica" charset="0"/>
                 <a:sym typeface="Helvetica" charset="0"/>
               </a:rPr>
-              <a:t>Interfaces</a:t>
-            </a:r>
+              <a:t>Interface</a:t>
+            </a:r>
+            <a:endParaRPr lang="en-US" sz="3600" b="1" dirty="0" smtClean="0">
+              <a:solidFill>
+                <a:schemeClr val="bg1"/>
+              </a:solidFill>
+              <a:latin typeface="Helvetica" charset="0"/>
+              <a:cs typeface="Helvetica" charset="0"/>
+              <a:sym typeface="Helvetica" charset="0"/>
+            </a:endParaRPr>
           </a:p>
           <a:p>
             <a:pPr marL="742950" indent="-742950" algn="l">
@@ -46894,27 +46902,8 @@
                 <a:cs typeface="Helvetica" charset="0"/>
                 <a:sym typeface="Helvetica" charset="0"/>
               </a:rPr>
-              <a:t>http://</a:t>
-            </a:r>
-            <a:r>
-              <a:rPr lang="en-US" sz="2800" b="1" u="sng" dirty="0" smtClean="0">
-                <a:solidFill>
-                  <a:schemeClr val="bg1"/>
-                </a:solidFill>
-                <a:latin typeface="Helvetica" charset="0"/>
-                <a:cs typeface="Helvetica" charset="0"/>
-                <a:sym typeface="Helvetica" charset="0"/>
-              </a:rPr>
-              <a:t>www.eclipse.org/downloads</a:t>
-            </a:r>
-            <a:endParaRPr lang="en-US" sz="2800" b="1" u="sng" dirty="0" smtClean="0">
-              <a:solidFill>
-                <a:schemeClr val="bg1"/>
-              </a:solidFill>
-              <a:latin typeface="Helvetica" charset="0"/>
-              <a:cs typeface="Helvetica" charset="0"/>
-              <a:sym typeface="Helvetica" charset="0"/>
-            </a:endParaRPr>
+              <a:t>http://www.eclipse.org/downloads</a:t>
+            </a:r>
           </a:p>
           <a:p>
             <a:pPr algn="l"/>
@@ -46996,27 +46985,8 @@
                 <a:cs typeface="Helvetica" charset="0"/>
                 <a:sym typeface="Helvetica" charset="0"/>
               </a:rPr>
-              <a:t>       https://</a:t>
-            </a:r>
-            <a:r>
-              <a:rPr lang="en-US" sz="2800" b="1" dirty="0" smtClean="0">
-                <a:solidFill>
-                  <a:schemeClr val="bg1"/>
-                </a:solidFill>
-                <a:latin typeface="Helvetica" charset="0"/>
-                <a:cs typeface="Helvetica" charset="0"/>
-                <a:sym typeface="Helvetica" charset="0"/>
-              </a:rPr>
-              <a:t>netbeans.org/downloads </a:t>
-            </a:r>
-            <a:endParaRPr lang="en-US" sz="2800" b="1" dirty="0" smtClean="0">
-              <a:solidFill>
-                <a:schemeClr val="bg1"/>
-              </a:solidFill>
-              <a:latin typeface="Helvetica" charset="0"/>
-              <a:cs typeface="Helvetica" charset="0"/>
-              <a:sym typeface="Helvetica" charset="0"/>
-            </a:endParaRPr>
+              <a:t>       https://netbeans.org/downloads </a:t>
+            </a:r>
           </a:p>
           <a:p>
             <a:pPr marL="742950" indent="-742950" algn="l"/>
